--- a/Debugging.pptx
+++ b/Debugging.pptx
@@ -114,6 +114,11 @@
       </a:defRPr>
     </a:lvl9pPr>
   </p:defaultTextStyle>
+  <p:extLst>
+    <p:ext uri="{EFAFB233-063F-42B5-8137-9DF3F51BA10A}">
+      <p15:sldGuideLst xmlns:p15="http://schemas.microsoft.com/office/powerpoint/2012/main"/>
+    </p:ext>
+  </p:extLst>
 </p:presentation>
 </file>
 
@@ -266,7 +271,7 @@
           <a:p>
             <a:fld id="{3BCDD0EA-25EC-41B7-B7FB-9157ED694A03}" type="datetimeFigureOut">
               <a:rPr lang="it-CH" smtClean="0"/>
-              <a:t>26.09.2025</a:t>
+              <a:t>02.10.2025</a:t>
             </a:fld>
             <a:endParaRPr lang="it-CH"/>
           </a:p>
@@ -466,7 +471,7 @@
           <a:p>
             <a:fld id="{3BCDD0EA-25EC-41B7-B7FB-9157ED694A03}" type="datetimeFigureOut">
               <a:rPr lang="it-CH" smtClean="0"/>
-              <a:t>26.09.2025</a:t>
+              <a:t>02.10.2025</a:t>
             </a:fld>
             <a:endParaRPr lang="it-CH"/>
           </a:p>
@@ -676,7 +681,7 @@
           <a:p>
             <a:fld id="{3BCDD0EA-25EC-41B7-B7FB-9157ED694A03}" type="datetimeFigureOut">
               <a:rPr lang="it-CH" smtClean="0"/>
-              <a:t>26.09.2025</a:t>
+              <a:t>02.10.2025</a:t>
             </a:fld>
             <a:endParaRPr lang="it-CH"/>
           </a:p>
@@ -876,7 +881,7 @@
           <a:p>
             <a:fld id="{3BCDD0EA-25EC-41B7-B7FB-9157ED694A03}" type="datetimeFigureOut">
               <a:rPr lang="it-CH" smtClean="0"/>
-              <a:t>26.09.2025</a:t>
+              <a:t>02.10.2025</a:t>
             </a:fld>
             <a:endParaRPr lang="it-CH"/>
           </a:p>
@@ -1152,7 +1157,7 @@
           <a:p>
             <a:fld id="{3BCDD0EA-25EC-41B7-B7FB-9157ED694A03}" type="datetimeFigureOut">
               <a:rPr lang="it-CH" smtClean="0"/>
-              <a:t>26.09.2025</a:t>
+              <a:t>02.10.2025</a:t>
             </a:fld>
             <a:endParaRPr lang="it-CH"/>
           </a:p>
@@ -1420,7 +1425,7 @@
           <a:p>
             <a:fld id="{3BCDD0EA-25EC-41B7-B7FB-9157ED694A03}" type="datetimeFigureOut">
               <a:rPr lang="it-CH" smtClean="0"/>
-              <a:t>26.09.2025</a:t>
+              <a:t>02.10.2025</a:t>
             </a:fld>
             <a:endParaRPr lang="it-CH"/>
           </a:p>
@@ -1835,7 +1840,7 @@
           <a:p>
             <a:fld id="{3BCDD0EA-25EC-41B7-B7FB-9157ED694A03}" type="datetimeFigureOut">
               <a:rPr lang="it-CH" smtClean="0"/>
-              <a:t>26.09.2025</a:t>
+              <a:t>02.10.2025</a:t>
             </a:fld>
             <a:endParaRPr lang="it-CH"/>
           </a:p>
@@ -1977,7 +1982,7 @@
           <a:p>
             <a:fld id="{3BCDD0EA-25EC-41B7-B7FB-9157ED694A03}" type="datetimeFigureOut">
               <a:rPr lang="it-CH" smtClean="0"/>
-              <a:t>26.09.2025</a:t>
+              <a:t>02.10.2025</a:t>
             </a:fld>
             <a:endParaRPr lang="it-CH"/>
           </a:p>
@@ -2090,7 +2095,7 @@
           <a:p>
             <a:fld id="{3BCDD0EA-25EC-41B7-B7FB-9157ED694A03}" type="datetimeFigureOut">
               <a:rPr lang="it-CH" smtClean="0"/>
-              <a:t>26.09.2025</a:t>
+              <a:t>02.10.2025</a:t>
             </a:fld>
             <a:endParaRPr lang="it-CH"/>
           </a:p>
@@ -2403,7 +2408,7 @@
           <a:p>
             <a:fld id="{3BCDD0EA-25EC-41B7-B7FB-9157ED694A03}" type="datetimeFigureOut">
               <a:rPr lang="it-CH" smtClean="0"/>
-              <a:t>26.09.2025</a:t>
+              <a:t>02.10.2025</a:t>
             </a:fld>
             <a:endParaRPr lang="it-CH"/>
           </a:p>
@@ -2692,7 +2697,7 @@
           <a:p>
             <a:fld id="{3BCDD0EA-25EC-41B7-B7FB-9157ED694A03}" type="datetimeFigureOut">
               <a:rPr lang="it-CH" smtClean="0"/>
-              <a:t>26.09.2025</a:t>
+              <a:t>02.10.2025</a:t>
             </a:fld>
             <a:endParaRPr lang="it-CH"/>
           </a:p>
@@ -2935,7 +2940,7 @@
           <a:p>
             <a:fld id="{3BCDD0EA-25EC-41B7-B7FB-9157ED694A03}" type="datetimeFigureOut">
               <a:rPr lang="it-CH" smtClean="0"/>
-              <a:t>26.09.2025</a:t>
+              <a:t>02.10.2025</a:t>
             </a:fld>
             <a:endParaRPr lang="it-CH"/>
           </a:p>
@@ -3479,26 +3484,148 @@
       </p:sp>
       <p:sp>
         <p:nvSpPr>
-          <p:cNvPr id="3" name="Segnaposto contenuto 2">
-            <a:extLst>
-              <a:ext uri="{FF2B5EF4-FFF2-40B4-BE49-F238E27FC236}">
-                <a16:creationId xmlns:a16="http://schemas.microsoft.com/office/drawing/2014/main" id="{1B955CC7-E08F-FA36-4DA1-8FA82E9895E2}"/>
-              </a:ext>
-            </a:extLst>
-          </p:cNvPr>
-          <p:cNvSpPr>
-            <a:spLocks noGrp="1"/>
+          <p:cNvPr id="4" name="Rectangle 1">
+            <a:extLst>
+              <a:ext uri="{FF2B5EF4-FFF2-40B4-BE49-F238E27FC236}">
+                <a16:creationId xmlns:a16="http://schemas.microsoft.com/office/drawing/2014/main" id="{393AEFE8-D5BC-B0C1-9ADA-E30CA28E8B3B}"/>
+              </a:ext>
+            </a:extLst>
+          </p:cNvPr>
+          <p:cNvSpPr>
+            <a:spLocks noGrp="1" noChangeArrowheads="1"/>
           </p:cNvSpPr>
           <p:nvPr>
             <p:ph idx="1"/>
           </p:nvPr>
         </p:nvSpPr>
-        <p:spPr/>
-        <p:txBody>
-          <a:bodyPr/>
-          <a:lstStyle/>
-          <a:p>
-            <a:endParaRPr lang="it-CH"/>
+        <p:spPr bwMode="auto">
+          <a:xfrm>
+            <a:off x="838200" y="3308797"/>
+            <a:ext cx="7350923" cy="1384995"/>
+          </a:xfrm>
+          <a:prstGeom prst="rect">
+            <a:avLst/>
+          </a:prstGeom>
+          <a:noFill/>
+          <a:ln>
+            <a:noFill/>
+          </a:ln>
+          <a:effectLst/>
+          <a:extLst>
+            <a:ext uri="{909E8E84-426E-40DD-AFC4-6F175D3DCCD1}">
+              <a14:hiddenFill xmlns:a14="http://schemas.microsoft.com/office/drawing/2010/main">
+                <a:solidFill>
+                  <a:schemeClr val="accent1"/>
+                </a:solidFill>
+              </a14:hiddenFill>
+            </a:ext>
+            <a:ext uri="{91240B29-F687-4F45-9708-019B960494DF}">
+              <a14:hiddenLine xmlns:a14="http://schemas.microsoft.com/office/drawing/2010/main" w="9525">
+                <a:solidFill>
+                  <a:schemeClr val="tx1"/>
+                </a:solidFill>
+                <a:miter lim="800000"/>
+                <a:headEnd/>
+                <a:tailEnd/>
+              </a14:hiddenLine>
+            </a:ext>
+            <a:ext uri="{AF507438-7753-43E0-B8FC-AC1667EBCBE1}">
+              <a14:hiddenEffects xmlns:a14="http://schemas.microsoft.com/office/drawing/2010/main">
+                <a:effectLst>
+                  <a:outerShdw dist="35921" dir="2700000" algn="ctr" rotWithShape="0">
+                    <a:schemeClr val="bg2"/>
+                  </a:outerShdw>
+                </a:effectLst>
+              </a14:hiddenEffects>
+            </a:ext>
+          </a:extLst>
+        </p:spPr>
+        <p:txBody>
+          <a:bodyPr vert="horz" wrap="none" lIns="91440" tIns="45720" rIns="91440" bIns="45720" numCol="1" anchor="ctr" anchorCtr="0" compatLnSpc="1">
+            <a:prstTxWarp prst="textNoShape">
+              <a:avLst/>
+            </a:prstTxWarp>
+            <a:spAutoFit/>
+          </a:bodyPr>
+          <a:lstStyle/>
+          <a:p>
+            <a:pPr marL="0" marR="0" lvl="0" indent="0" algn="l" defTabSz="914400" rtl="0" eaLnBrk="0" fontAlgn="base" latinLnBrk="0" hangingPunct="0">
+              <a:lnSpc>
+                <a:spcPct val="100000"/>
+              </a:lnSpc>
+              <a:spcBef>
+                <a:spcPct val="0"/>
+              </a:spcBef>
+              <a:spcAft>
+                <a:spcPct val="0"/>
+              </a:spcAft>
+              <a:buClrTx/>
+              <a:buSzTx/>
+              <a:buFontTx/>
+              <a:buChar char="•"/>
+              <a:tabLst/>
+            </a:pPr>
+            <a:r>
+              <a:rPr lang="it-CH" altLang="it-CH" dirty="0"/>
+              <a:t>Pannello dedicato nel debugger.</a:t>
+            </a:r>
+          </a:p>
+          <a:p>
+            <a:pPr marL="0" marR="0" lvl="0" indent="0" algn="l" defTabSz="914400" rtl="0" eaLnBrk="0" fontAlgn="base" latinLnBrk="0" hangingPunct="0">
+              <a:lnSpc>
+                <a:spcPct val="100000"/>
+              </a:lnSpc>
+              <a:spcBef>
+                <a:spcPct val="0"/>
+              </a:spcBef>
+              <a:spcAft>
+                <a:spcPct val="0"/>
+              </a:spcAft>
+              <a:buClrTx/>
+              <a:buSzTx/>
+              <a:buFontTx/>
+              <a:buChar char="•"/>
+              <a:tabLst/>
+            </a:pPr>
+            <a:r>
+              <a:rPr lang="it-CH" altLang="it-CH" dirty="0"/>
+              <a:t>Mostra valori correnti e struttura degli oggetti.</a:t>
+            </a:r>
+          </a:p>
+          <a:p>
+            <a:pPr marL="0" marR="0" lvl="0" indent="0" algn="l" defTabSz="914400" rtl="0" eaLnBrk="0" fontAlgn="base" latinLnBrk="0" hangingPunct="0">
+              <a:lnSpc>
+                <a:spcPct val="100000"/>
+              </a:lnSpc>
+              <a:spcBef>
+                <a:spcPct val="0"/>
+              </a:spcBef>
+              <a:spcAft>
+                <a:spcPct val="0"/>
+              </a:spcAft>
+              <a:buClrTx/>
+              <a:buSzTx/>
+              <a:buFontTx/>
+              <a:buChar char="•"/>
+              <a:tabLst/>
+            </a:pPr>
+            <a:r>
+              <a:rPr lang="it-CH" altLang="it-CH" dirty="0"/>
+              <a:t>Evidenzia modifiche durante l’esecuzione</a:t>
+            </a:r>
+            <a:r>
+              <a:rPr kumimoji="0" lang="it-CH" altLang="it-CH" sz="1800" b="0" i="0" u="none" strike="noStrike" cap="none" normalizeH="0" baseline="0" dirty="0">
+                <a:ln>
+                  <a:noFill/>
+                </a:ln>
+                <a:solidFill>
+                  <a:schemeClr val="tx1"/>
+                </a:solidFill>
+                <a:effectLst/>
+                <a:latin typeface="Arial" panose="020B0604020202020204" pitchFamily="34" charset="0"/>
+              </a:rPr>
+              <a:t>.</a:t>
+            </a:r>
           </a:p>
         </p:txBody>
       </p:sp>
@@ -3582,7 +3709,16 @@
           <a:bodyPr/>
           <a:lstStyle/>
           <a:p>
-            <a:endParaRPr lang="it-CH"/>
+            <a:r>
+              <a:rPr lang="it-CH" dirty="0"/>
+              <a:t>Permette di monitorare espressioni o variabili specifiche.</a:t>
+            </a:r>
+          </a:p>
+          <a:p>
+            <a:r>
+              <a:rPr lang="it-CH" dirty="0"/>
+              <a:t>Utile per capire come cambiano i valori durante l’esecuzione.</a:t>
+            </a:r>
           </a:p>
         </p:txBody>
       </p:sp>
@@ -3893,7 +4029,59 @@
           <a:bodyPr/>
           <a:lstStyle/>
           <a:p>
-            <a:endParaRPr lang="it-CH"/>
+            <a:r>
+              <a:rPr lang="fr-CH" dirty="0" err="1"/>
+              <a:t>Identificazione</a:t>
+            </a:r>
+            <a:r>
+              <a:rPr lang="fr-CH" dirty="0"/>
+              <a:t> </a:t>
+            </a:r>
+            <a:r>
+              <a:rPr lang="fr-CH" dirty="0" err="1"/>
+              <a:t>dell’errore</a:t>
+            </a:r>
+            <a:endParaRPr lang="fr-CH" dirty="0"/>
+          </a:p>
+          <a:p>
+            <a:r>
+              <a:rPr lang="fr-CH" dirty="0" err="1"/>
+              <a:t>Analisi</a:t>
+            </a:r>
+            <a:r>
+              <a:rPr lang="fr-CH" dirty="0"/>
+              <a:t> </a:t>
+            </a:r>
+            <a:r>
+              <a:rPr lang="fr-CH" dirty="0" err="1"/>
+              <a:t>dell’errore</a:t>
+            </a:r>
+            <a:endParaRPr lang="fr-CH" dirty="0"/>
+          </a:p>
+          <a:p>
+            <a:r>
+              <a:rPr lang="fr-CH" dirty="0" err="1"/>
+              <a:t>Correzione</a:t>
+            </a:r>
+            <a:r>
+              <a:rPr lang="fr-CH" dirty="0"/>
+              <a:t> e </a:t>
+            </a:r>
+            <a:r>
+              <a:rPr lang="fr-CH" dirty="0" err="1"/>
+              <a:t>convalida</a:t>
+            </a:r>
+            <a:endParaRPr lang="fr-CH" dirty="0"/>
+          </a:p>
+          <a:p>
+            <a:r>
+              <a:rPr lang="fr-CH" dirty="0" err="1"/>
+              <a:t>Debbuging</a:t>
+            </a:r>
+            <a:r>
+              <a:rPr lang="fr-CH" dirty="0"/>
+              <a:t> e test</a:t>
+            </a:r>
           </a:p>
         </p:txBody>
       </p:sp>
@@ -3981,7 +4169,20 @@
           <a:bodyPr/>
           <a:lstStyle/>
           <a:p>
-            <a:endParaRPr lang="it-CH"/>
+            <a:r>
+              <a:rPr lang="it-CH" dirty="0" err="1"/>
+              <a:t>MissingNo</a:t>
+            </a:r>
+            <a:r>
+              <a:rPr lang="it-CH" dirty="0"/>
+              <a:t>. in Pokémon (anni '90): un glitch grafico leggendario che, se incontrato e catturato dai giocatori di Pokémon Rosso e Blu, poteva causare problemi tecnici e corrompere i file di salvataggio</a:t>
+            </a:r>
+          </a:p>
+          <a:p>
+            <a:r>
+              <a:rPr lang="it-CH" dirty="0"/>
+              <a:t>Ariane 5 (1996): errore di overflow → esplosione razzo</a:t>
+            </a:r>
           </a:p>
         </p:txBody>
       </p:sp>
@@ -4054,26 +4255,197 @@
       </p:sp>
       <p:sp>
         <p:nvSpPr>
-          <p:cNvPr id="3" name="Segnaposto contenuto 2">
-            <a:extLst>
-              <a:ext uri="{FF2B5EF4-FFF2-40B4-BE49-F238E27FC236}">
-                <a16:creationId xmlns:a16="http://schemas.microsoft.com/office/drawing/2014/main" id="{5ED3A88B-B3A8-1636-D62C-39B4C0A5287B}"/>
-              </a:ext>
-            </a:extLst>
-          </p:cNvPr>
-          <p:cNvSpPr>
-            <a:spLocks noGrp="1"/>
+          <p:cNvPr id="5" name="Rectangle 2">
+            <a:extLst>
+              <a:ext uri="{FF2B5EF4-FFF2-40B4-BE49-F238E27FC236}">
+                <a16:creationId xmlns:a16="http://schemas.microsoft.com/office/drawing/2014/main" id="{FC21B2FF-2FF9-C9EE-A0BA-E2FB5AC7AC0F}"/>
+              </a:ext>
+            </a:extLst>
+          </p:cNvPr>
+          <p:cNvSpPr>
+            <a:spLocks noGrp="1" noChangeArrowheads="1"/>
           </p:cNvSpPr>
           <p:nvPr>
             <p:ph idx="1"/>
           </p:nvPr>
         </p:nvSpPr>
-        <p:spPr/>
-        <p:txBody>
-          <a:bodyPr/>
-          <a:lstStyle/>
-          <a:p>
-            <a:endParaRPr lang="it-CH"/>
+        <p:spPr bwMode="auto">
+          <a:xfrm>
+            <a:off x="838200" y="3093353"/>
+            <a:ext cx="9753632" cy="1815882"/>
+          </a:xfrm>
+          <a:prstGeom prst="rect">
+            <a:avLst/>
+          </a:prstGeom>
+          <a:noFill/>
+          <a:ln>
+            <a:noFill/>
+          </a:ln>
+          <a:effectLst/>
+          <a:extLst>
+            <a:ext uri="{909E8E84-426E-40DD-AFC4-6F175D3DCCD1}">
+              <a14:hiddenFill xmlns:a14="http://schemas.microsoft.com/office/drawing/2010/main">
+                <a:solidFill>
+                  <a:schemeClr val="accent1"/>
+                </a:solidFill>
+              </a14:hiddenFill>
+            </a:ext>
+            <a:ext uri="{91240B29-F687-4F45-9708-019B960494DF}">
+              <a14:hiddenLine xmlns:a14="http://schemas.microsoft.com/office/drawing/2010/main" w="9525">
+                <a:solidFill>
+                  <a:schemeClr val="tx1"/>
+                </a:solidFill>
+                <a:miter lim="800000"/>
+                <a:headEnd/>
+                <a:tailEnd/>
+              </a14:hiddenLine>
+            </a:ext>
+            <a:ext uri="{AF507438-7753-43E0-B8FC-AC1667EBCBE1}">
+              <a14:hiddenEffects xmlns:a14="http://schemas.microsoft.com/office/drawing/2010/main">
+                <a:effectLst>
+                  <a:outerShdw dist="35921" dir="2700000" algn="ctr" rotWithShape="0">
+                    <a:schemeClr val="bg2"/>
+                  </a:outerShdw>
+                </a:effectLst>
+              </a14:hiddenEffects>
+            </a:ext>
+          </a:extLst>
+        </p:spPr>
+        <p:txBody>
+          <a:bodyPr vert="horz" wrap="none" lIns="91440" tIns="45720" rIns="91440" bIns="45720" numCol="1" anchor="ctr" anchorCtr="0" compatLnSpc="1">
+            <a:prstTxWarp prst="textNoShape">
+              <a:avLst/>
+            </a:prstTxWarp>
+            <a:spAutoFit/>
+          </a:bodyPr>
+          <a:lstStyle/>
+          <a:p>
+            <a:pPr marL="0" marR="0" lvl="0" indent="0" algn="l" defTabSz="914400" rtl="0" eaLnBrk="0" fontAlgn="base" latinLnBrk="0" hangingPunct="0">
+              <a:lnSpc>
+                <a:spcPct val="100000"/>
+              </a:lnSpc>
+              <a:spcBef>
+                <a:spcPct val="0"/>
+              </a:spcBef>
+              <a:spcAft>
+                <a:spcPct val="0"/>
+              </a:spcAft>
+              <a:buClrTx/>
+              <a:buSzTx/>
+              <a:buFontTx/>
+              <a:buChar char="•"/>
+              <a:tabLst/>
+            </a:pPr>
+            <a:r>
+              <a:rPr lang="it-CH" altLang="it-CH" dirty="0"/>
+              <a:t>Code </a:t>
+            </a:r>
+            <a:r>
+              <a:rPr lang="it-CH" altLang="it-CH" dirty="0" err="1"/>
+              <a:t>Inspections</a:t>
+            </a:r>
+            <a:r>
+              <a:rPr lang="it-CH" altLang="it-CH" dirty="0"/>
+              <a:t>: segnalazioni immediate di errori.</a:t>
+            </a:r>
+          </a:p>
+          <a:p>
+            <a:pPr marL="0" marR="0" lvl="0" indent="0" algn="l" defTabSz="914400" rtl="0" eaLnBrk="0" fontAlgn="base" latinLnBrk="0" hangingPunct="0">
+              <a:lnSpc>
+                <a:spcPct val="100000"/>
+              </a:lnSpc>
+              <a:spcBef>
+                <a:spcPct val="0"/>
+              </a:spcBef>
+              <a:spcAft>
+                <a:spcPct val="0"/>
+              </a:spcAft>
+              <a:buClrTx/>
+              <a:buSzTx/>
+              <a:buFontTx/>
+              <a:buChar char="•"/>
+              <a:tabLst/>
+            </a:pPr>
+            <a:r>
+              <a:rPr lang="it-CH" altLang="it-CH" dirty="0"/>
+              <a:t>Analisi statica e plugin (</a:t>
+            </a:r>
+            <a:r>
+              <a:rPr lang="it-CH" altLang="it-CH" dirty="0" err="1"/>
+              <a:t>SonarLint</a:t>
+            </a:r>
+            <a:r>
+              <a:rPr lang="it-CH" altLang="it-CH" dirty="0"/>
+              <a:t>, </a:t>
+            </a:r>
+            <a:r>
+              <a:rPr lang="it-CH" altLang="it-CH" dirty="0" err="1"/>
+              <a:t>CheckStyle</a:t>
+            </a:r>
+            <a:r>
+              <a:rPr lang="it-CH" altLang="it-CH" dirty="0"/>
+              <a:t>, </a:t>
+            </a:r>
+            <a:r>
+              <a:rPr lang="it-CH" altLang="it-CH" dirty="0" err="1"/>
+              <a:t>SpotBugs</a:t>
+            </a:r>
+            <a:r>
+              <a:rPr lang="it-CH" altLang="it-CH" dirty="0"/>
+              <a:t>).</a:t>
+            </a:r>
+          </a:p>
+          <a:p>
+            <a:pPr marL="0" marR="0" lvl="0" indent="0" algn="l" defTabSz="914400" rtl="0" eaLnBrk="0" fontAlgn="base" latinLnBrk="0" hangingPunct="0">
+              <a:lnSpc>
+                <a:spcPct val="100000"/>
+              </a:lnSpc>
+              <a:spcBef>
+                <a:spcPct val="0"/>
+              </a:spcBef>
+              <a:spcAft>
+                <a:spcPct val="0"/>
+              </a:spcAft>
+              <a:buClrTx/>
+              <a:buSzTx/>
+              <a:buFontTx/>
+              <a:buChar char="•"/>
+              <a:tabLst/>
+            </a:pPr>
+            <a:r>
+              <a:rPr lang="it-CH" altLang="it-CH" dirty="0"/>
+              <a:t>Debugger integrato con </a:t>
+            </a:r>
+            <a:r>
+              <a:rPr lang="it-CH" altLang="it-CH" dirty="0" err="1"/>
+              <a:t>breakpoints</a:t>
+            </a:r>
+            <a:r>
+              <a:rPr lang="it-CH" altLang="it-CH" dirty="0"/>
+              <a:t> e valutazione variabili.</a:t>
+            </a:r>
+          </a:p>
+          <a:p>
+            <a:pPr marL="0" marR="0" lvl="0" indent="0" algn="l" defTabSz="914400" rtl="0" eaLnBrk="0" fontAlgn="base" latinLnBrk="0" hangingPunct="0">
+              <a:lnSpc>
+                <a:spcPct val="100000"/>
+              </a:lnSpc>
+              <a:spcBef>
+                <a:spcPct val="0"/>
+              </a:spcBef>
+              <a:spcAft>
+                <a:spcPct val="0"/>
+              </a:spcAft>
+              <a:buClrTx/>
+              <a:buSzTx/>
+              <a:buFontTx/>
+              <a:buChar char="•"/>
+              <a:tabLst/>
+            </a:pPr>
+            <a:r>
+              <a:rPr lang="it-CH" altLang="it-CH" dirty="0"/>
+              <a:t>Test &amp; Coverage per evidenziare parti di codice non verificate.</a:t>
+            </a:r>
           </a:p>
         </p:txBody>
       </p:sp>
@@ -4167,7 +4539,7 @@
             </a:r>
             <a:r>
               <a:rPr lang="it-CH" dirty="0"/>
-              <a:t> è un punto nel codice dove l’esecuzione si ferma per permettere il debug.</a:t>
+              <a:t> è un punto nel codice dove l’esecuzione si ferma per permettere il debug</a:t>
             </a:r>
           </a:p>
         </p:txBody>
@@ -4241,26 +4613,113 @@
       </p:sp>
       <p:sp>
         <p:nvSpPr>
-          <p:cNvPr id="3" name="Segnaposto contenuto 2">
-            <a:extLst>
-              <a:ext uri="{FF2B5EF4-FFF2-40B4-BE49-F238E27FC236}">
-                <a16:creationId xmlns:a16="http://schemas.microsoft.com/office/drawing/2014/main" id="{3DF69D30-6B2D-BC8B-9535-BFD999167B7B}"/>
-              </a:ext>
-            </a:extLst>
-          </p:cNvPr>
-          <p:cNvSpPr>
-            <a:spLocks noGrp="1"/>
+          <p:cNvPr id="4" name="Rectangle 1">
+            <a:extLst>
+              <a:ext uri="{FF2B5EF4-FFF2-40B4-BE49-F238E27FC236}">
+                <a16:creationId xmlns:a16="http://schemas.microsoft.com/office/drawing/2014/main" id="{D414B784-7C0E-0BA5-8550-D56D99884507}"/>
+              </a:ext>
+            </a:extLst>
+          </p:cNvPr>
+          <p:cNvSpPr>
+            <a:spLocks noGrp="1" noChangeArrowheads="1"/>
           </p:cNvSpPr>
           <p:nvPr>
             <p:ph idx="1"/>
           </p:nvPr>
         </p:nvSpPr>
-        <p:spPr/>
-        <p:txBody>
-          <a:bodyPr/>
-          <a:lstStyle/>
-          <a:p>
-            <a:endParaRPr lang="it-CH"/>
+        <p:spPr bwMode="auto">
+          <a:xfrm>
+            <a:off x="941614" y="2613836"/>
+            <a:ext cx="8338457" cy="954107"/>
+          </a:xfrm>
+          <a:prstGeom prst="rect">
+            <a:avLst/>
+          </a:prstGeom>
+          <a:noFill/>
+          <a:ln>
+            <a:noFill/>
+          </a:ln>
+          <a:effectLst/>
+          <a:extLst>
+            <a:ext uri="{909E8E84-426E-40DD-AFC4-6F175D3DCCD1}">
+              <a14:hiddenFill xmlns:a14="http://schemas.microsoft.com/office/drawing/2010/main">
+                <a:solidFill>
+                  <a:schemeClr val="accent1"/>
+                </a:solidFill>
+              </a14:hiddenFill>
+            </a:ext>
+            <a:ext uri="{91240B29-F687-4F45-9708-019B960494DF}">
+              <a14:hiddenLine xmlns:a14="http://schemas.microsoft.com/office/drawing/2010/main" w="9525">
+                <a:solidFill>
+                  <a:schemeClr val="tx1"/>
+                </a:solidFill>
+                <a:miter lim="800000"/>
+                <a:headEnd/>
+                <a:tailEnd/>
+              </a14:hiddenLine>
+            </a:ext>
+            <a:ext uri="{AF507438-7753-43E0-B8FC-AC1667EBCBE1}">
+              <a14:hiddenEffects xmlns:a14="http://schemas.microsoft.com/office/drawing/2010/main">
+                <a:effectLst>
+                  <a:outerShdw dist="35921" dir="2700000" algn="ctr" rotWithShape="0">
+                    <a:schemeClr val="bg2"/>
+                  </a:outerShdw>
+                </a:effectLst>
+              </a14:hiddenEffects>
+            </a:ext>
+          </a:extLst>
+        </p:spPr>
+        <p:txBody>
+          <a:bodyPr vert="horz" wrap="square" lIns="91440" tIns="45720" rIns="91440" bIns="45720" numCol="1" anchor="ctr" anchorCtr="0" compatLnSpc="1">
+            <a:prstTxWarp prst="textNoShape">
+              <a:avLst/>
+            </a:prstTxWarp>
+            <a:spAutoFit/>
+          </a:bodyPr>
+          <a:lstStyle/>
+          <a:p>
+            <a:pPr marL="0" marR="0" lvl="0" indent="0" algn="l" defTabSz="914400" rtl="0" eaLnBrk="0" fontAlgn="base" latinLnBrk="0" hangingPunct="0">
+              <a:lnSpc>
+                <a:spcPct val="100000"/>
+              </a:lnSpc>
+              <a:spcBef>
+                <a:spcPct val="0"/>
+              </a:spcBef>
+              <a:spcAft>
+                <a:spcPct val="0"/>
+              </a:spcAft>
+              <a:buClrTx/>
+              <a:buSzTx/>
+              <a:buFontTx/>
+              <a:buChar char="•"/>
+              <a:tabLst/>
+            </a:pPr>
+            <a:r>
+              <a:rPr lang="it-CH" altLang="it-CH" dirty="0"/>
+              <a:t>Avvia l’applicazione sotto controllo del debugger.</a:t>
+            </a:r>
+          </a:p>
+          <a:p>
+            <a:pPr marL="0" marR="0" lvl="0" indent="0" algn="l" defTabSz="914400" rtl="0" eaLnBrk="0" fontAlgn="base" latinLnBrk="0" hangingPunct="0">
+              <a:lnSpc>
+                <a:spcPct val="100000"/>
+              </a:lnSpc>
+              <a:spcBef>
+                <a:spcPct val="0"/>
+              </a:spcBef>
+              <a:spcAft>
+                <a:spcPct val="0"/>
+              </a:spcAft>
+              <a:buClrTx/>
+              <a:buSzTx/>
+              <a:buFontTx/>
+              <a:buChar char="•"/>
+              <a:tabLst/>
+            </a:pPr>
+            <a:r>
+              <a:rPr lang="it-CH" altLang="it-CH" dirty="0"/>
+              <a:t>Permette esecuzione passo-passo, analisi variabili</a:t>
+            </a:r>
           </a:p>
         </p:txBody>
       </p:sp>
@@ -4372,6 +4831,160 @@
           <a:bodyPr/>
           <a:lstStyle/>
           <a:p>
+            <a:r>
+              <a:rPr lang="fr-CH" dirty="0" err="1"/>
+              <a:t>Step</a:t>
+            </a:r>
+            <a:r>
+              <a:rPr lang="fr-CH" dirty="0"/>
+              <a:t> </a:t>
+            </a:r>
+            <a:r>
+              <a:rPr lang="fr-CH" dirty="0" err="1"/>
+              <a:t>Over:Esegue</a:t>
+            </a:r>
+            <a:r>
+              <a:rPr lang="fr-CH" dirty="0"/>
+              <a:t> la </a:t>
+            </a:r>
+            <a:r>
+              <a:rPr lang="fr-CH" dirty="0" err="1"/>
+              <a:t>riga</a:t>
+            </a:r>
+            <a:r>
+              <a:rPr lang="fr-CH" dirty="0"/>
+              <a:t> </a:t>
+            </a:r>
+            <a:r>
+              <a:rPr lang="fr-CH" dirty="0" err="1"/>
+              <a:t>corrente</a:t>
+            </a:r>
+            <a:r>
+              <a:rPr lang="fr-CH" dirty="0"/>
+              <a:t> senza </a:t>
+            </a:r>
+            <a:r>
+              <a:rPr lang="fr-CH" dirty="0" err="1"/>
+              <a:t>entrare</a:t>
+            </a:r>
+            <a:r>
+              <a:rPr lang="fr-CH" dirty="0"/>
+              <a:t> </a:t>
+            </a:r>
+            <a:r>
+              <a:rPr lang="fr-CH" dirty="0" err="1"/>
+              <a:t>nelle</a:t>
+            </a:r>
+            <a:r>
+              <a:rPr lang="fr-CH" dirty="0"/>
+              <a:t> </a:t>
+            </a:r>
+            <a:r>
+              <a:rPr lang="fr-CH" dirty="0" err="1"/>
+              <a:t>funzioni</a:t>
+            </a:r>
+            <a:endParaRPr lang="fr-CH" dirty="0"/>
+          </a:p>
+          <a:p>
+            <a:r>
+              <a:rPr lang="fr-CH" dirty="0" err="1"/>
+              <a:t>Step</a:t>
+            </a:r>
+            <a:r>
+              <a:rPr lang="fr-CH" dirty="0"/>
+              <a:t> </a:t>
+            </a:r>
+            <a:r>
+              <a:rPr lang="fr-CH" dirty="0" err="1"/>
+              <a:t>Into</a:t>
+            </a:r>
+            <a:r>
+              <a:rPr lang="fr-CH" dirty="0"/>
+              <a:t>: Entra </a:t>
+            </a:r>
+            <a:r>
+              <a:rPr lang="fr-CH" dirty="0" err="1"/>
+              <a:t>nella</a:t>
+            </a:r>
+            <a:r>
+              <a:rPr lang="fr-CH" dirty="0"/>
+              <a:t> </a:t>
+            </a:r>
+            <a:r>
+              <a:rPr lang="fr-CH" dirty="0" err="1"/>
+              <a:t>funzione</a:t>
+            </a:r>
+            <a:r>
+              <a:rPr lang="fr-CH" dirty="0"/>
+              <a:t> </a:t>
+            </a:r>
+            <a:r>
+              <a:rPr lang="fr-CH" dirty="0" err="1"/>
+              <a:t>chiamata</a:t>
+            </a:r>
+            <a:r>
+              <a:rPr lang="fr-CH" dirty="0"/>
+              <a:t> per </a:t>
+            </a:r>
+            <a:r>
+              <a:rPr lang="fr-CH" dirty="0" err="1"/>
+              <a:t>analizzare</a:t>
+            </a:r>
+            <a:r>
+              <a:rPr lang="fr-CH" dirty="0"/>
+              <a:t> il </a:t>
+            </a:r>
+            <a:r>
+              <a:rPr lang="fr-CH" dirty="0" err="1"/>
+              <a:t>comportamento</a:t>
+            </a:r>
+            <a:endParaRPr lang="fr-CH" dirty="0"/>
+          </a:p>
+          <a:p>
+            <a:r>
+              <a:rPr lang="fr-CH" dirty="0" err="1"/>
+              <a:t>Step</a:t>
+            </a:r>
+            <a:r>
+              <a:rPr lang="fr-CH" dirty="0"/>
+              <a:t> Out: </a:t>
+            </a:r>
+            <a:r>
+              <a:rPr lang="fr-CH" dirty="0" err="1"/>
+              <a:t>Esce</a:t>
+            </a:r>
+            <a:r>
+              <a:rPr lang="fr-CH" dirty="0"/>
+              <a:t> dalla </a:t>
+            </a:r>
+            <a:r>
+              <a:rPr lang="fr-CH" dirty="0" err="1"/>
+              <a:t>funzione</a:t>
+            </a:r>
+            <a:r>
+              <a:rPr lang="fr-CH" dirty="0"/>
+              <a:t> </a:t>
+            </a:r>
+            <a:r>
+              <a:rPr lang="fr-CH" dirty="0" err="1"/>
+              <a:t>corrente</a:t>
+            </a:r>
+            <a:r>
+              <a:rPr lang="fr-CH" dirty="0"/>
+              <a:t> e </a:t>
+            </a:r>
+            <a:r>
+              <a:rPr lang="fr-CH" dirty="0" err="1"/>
+              <a:t>torna</a:t>
+            </a:r>
+            <a:r>
+              <a:rPr lang="fr-CH" dirty="0"/>
+              <a:t> al </a:t>
+            </a:r>
+            <a:r>
+              <a:rPr lang="fr-CH" dirty="0" err="1"/>
+              <a:t>chiamate</a:t>
+            </a:r>
             <a:endParaRPr lang="it-CH" dirty="0"/>
           </a:p>
         </p:txBody>
